--- a/CPEE1/03. Week 3/00. Presentation/Week 3.pptx
+++ b/CPEE1/03. Week 3/00. Presentation/Week 3.pptx
@@ -289,7 +289,7 @@
           <a:p>
             <a:fld id="{713DCFBF-1251-4F71-8BFB-150CFD910DA2}" type="datetimeFigureOut">
               <a:rPr lang="en-US" smtClean="0"/>
-              <a:t>1/24/2018</a:t>
+              <a:t>1/29/2018</a:t>
             </a:fld>
             <a:endParaRPr lang="en-US"/>
           </a:p>
@@ -459,7 +459,7 @@
           <a:p>
             <a:fld id="{713DCFBF-1251-4F71-8BFB-150CFD910DA2}" type="datetimeFigureOut">
               <a:rPr lang="en-US" smtClean="0"/>
-              <a:t>1/24/2018</a:t>
+              <a:t>1/29/2018</a:t>
             </a:fld>
             <a:endParaRPr lang="en-US"/>
           </a:p>
@@ -639,7 +639,7 @@
           <a:p>
             <a:fld id="{713DCFBF-1251-4F71-8BFB-150CFD910DA2}" type="datetimeFigureOut">
               <a:rPr lang="en-US" smtClean="0"/>
-              <a:t>1/24/2018</a:t>
+              <a:t>1/29/2018</a:t>
             </a:fld>
             <a:endParaRPr lang="en-US"/>
           </a:p>
@@ -809,7 +809,7 @@
           <a:p>
             <a:fld id="{713DCFBF-1251-4F71-8BFB-150CFD910DA2}" type="datetimeFigureOut">
               <a:rPr lang="en-US" smtClean="0"/>
-              <a:t>1/24/2018</a:t>
+              <a:t>1/29/2018</a:t>
             </a:fld>
             <a:endParaRPr lang="en-US"/>
           </a:p>
@@ -1055,7 +1055,7 @@
           <a:p>
             <a:fld id="{713DCFBF-1251-4F71-8BFB-150CFD910DA2}" type="datetimeFigureOut">
               <a:rPr lang="en-US" smtClean="0"/>
-              <a:t>1/24/2018</a:t>
+              <a:t>1/29/2018</a:t>
             </a:fld>
             <a:endParaRPr lang="en-US"/>
           </a:p>
@@ -1343,7 +1343,7 @@
           <a:p>
             <a:fld id="{713DCFBF-1251-4F71-8BFB-150CFD910DA2}" type="datetimeFigureOut">
               <a:rPr lang="en-US" smtClean="0"/>
-              <a:t>1/24/2018</a:t>
+              <a:t>1/29/2018</a:t>
             </a:fld>
             <a:endParaRPr lang="en-US"/>
           </a:p>
@@ -1765,7 +1765,7 @@
           <a:p>
             <a:fld id="{713DCFBF-1251-4F71-8BFB-150CFD910DA2}" type="datetimeFigureOut">
               <a:rPr lang="en-US" smtClean="0"/>
-              <a:t>1/24/2018</a:t>
+              <a:t>1/29/2018</a:t>
             </a:fld>
             <a:endParaRPr lang="en-US"/>
           </a:p>
@@ -1883,7 +1883,7 @@
           <a:p>
             <a:fld id="{713DCFBF-1251-4F71-8BFB-150CFD910DA2}" type="datetimeFigureOut">
               <a:rPr lang="en-US" smtClean="0"/>
-              <a:t>1/24/2018</a:t>
+              <a:t>1/29/2018</a:t>
             </a:fld>
             <a:endParaRPr lang="en-US"/>
           </a:p>
@@ -1978,7 +1978,7 @@
           <a:p>
             <a:fld id="{713DCFBF-1251-4F71-8BFB-150CFD910DA2}" type="datetimeFigureOut">
               <a:rPr lang="en-US" smtClean="0"/>
-              <a:t>1/24/2018</a:t>
+              <a:t>1/29/2018</a:t>
             </a:fld>
             <a:endParaRPr lang="en-US"/>
           </a:p>
@@ -2255,7 +2255,7 @@
           <a:p>
             <a:fld id="{713DCFBF-1251-4F71-8BFB-150CFD910DA2}" type="datetimeFigureOut">
               <a:rPr lang="en-US" smtClean="0"/>
-              <a:t>1/24/2018</a:t>
+              <a:t>1/29/2018</a:t>
             </a:fld>
             <a:endParaRPr lang="en-US"/>
           </a:p>
@@ -2508,7 +2508,7 @@
           <a:p>
             <a:fld id="{713DCFBF-1251-4F71-8BFB-150CFD910DA2}" type="datetimeFigureOut">
               <a:rPr lang="en-US" smtClean="0"/>
-              <a:t>1/24/2018</a:t>
+              <a:t>1/29/2018</a:t>
             </a:fld>
             <a:endParaRPr lang="en-US"/>
           </a:p>
@@ -2721,7 +2721,7 @@
           <a:p>
             <a:fld id="{713DCFBF-1251-4F71-8BFB-150CFD910DA2}" type="datetimeFigureOut">
               <a:rPr lang="en-US" smtClean="0"/>
-              <a:t>1/24/2018</a:t>
+              <a:t>1/29/2018</a:t>
             </a:fld>
             <a:endParaRPr lang="en-US"/>
           </a:p>
@@ -3142,13 +3142,6 @@
               </a:rPr>
               <a:t>Selector &amp; Properties Exercise</a:t>
             </a:r>
-            <a:endParaRPr lang="en-US" sz="8800" dirty="0" smtClean="0">
-              <a:solidFill>
-                <a:schemeClr val="accent6">
-                  <a:lumMod val="75000"/>
-                </a:schemeClr>
-              </a:solidFill>
-            </a:endParaRPr>
           </a:p>
         </p:txBody>
       </p:sp>
@@ -3197,8 +3190,8 @@
         </p:nvSpPr>
         <p:spPr>
           <a:xfrm>
-            <a:off x="685800" y="2523964"/>
-            <a:ext cx="7620000" cy="1862048"/>
+            <a:off x="685800" y="838200"/>
+            <a:ext cx="7620000" cy="5401479"/>
           </a:xfrm>
           <a:prstGeom prst="rect">
             <a:avLst/>
@@ -3218,7 +3211,18 @@
                   <a:srgbClr val="FFFF00"/>
                 </a:solidFill>
               </a:rPr>
-              <a:t>DEMO</a:t>
+              <a:t>Simple</a:t>
+            </a:r>
+          </a:p>
+          <a:p>
+            <a:pPr algn="ctr"/>
+            <a:r>
+              <a:rPr lang="en-US" sz="11500" dirty="0" smtClean="0">
+                <a:solidFill>
+                  <a:srgbClr val="FFFF00"/>
+                </a:solidFill>
+              </a:rPr>
+              <a:t>Blog Exercise</a:t>
             </a:r>
             <a:endParaRPr lang="en-US" sz="4800" dirty="0" smtClean="0">
               <a:solidFill>

--- a/CPEE1/03. Week 3/00. Presentation/Week 3.pptx
+++ b/CPEE1/03. Week 3/00. Presentation/Week 3.pptx
@@ -7,6 +7,13 @@
   <p:sldIdLst>
     <p:sldId id="260" r:id="rId2"/>
     <p:sldId id="364" r:id="rId3"/>
+    <p:sldId id="365" r:id="rId4"/>
+    <p:sldId id="368" r:id="rId5"/>
+    <p:sldId id="366" r:id="rId6"/>
+    <p:sldId id="369" r:id="rId7"/>
+    <p:sldId id="367" r:id="rId8"/>
+    <p:sldId id="370" r:id="rId9"/>
+    <p:sldId id="371" r:id="rId10"/>
   </p:sldIdLst>
   <p:sldSz cx="9144000" cy="6858000" type="screen4x3"/>
   <p:notesSz cx="6858000" cy="9144000"/>
@@ -289,7 +296,7 @@
           <a:p>
             <a:fld id="{713DCFBF-1251-4F71-8BFB-150CFD910DA2}" type="datetimeFigureOut">
               <a:rPr lang="en-US" smtClean="0"/>
-              <a:t>1/29/2018</a:t>
+              <a:t>1/31/2018</a:t>
             </a:fld>
             <a:endParaRPr lang="en-US"/>
           </a:p>
@@ -459,7 +466,7 @@
           <a:p>
             <a:fld id="{713DCFBF-1251-4F71-8BFB-150CFD910DA2}" type="datetimeFigureOut">
               <a:rPr lang="en-US" smtClean="0"/>
-              <a:t>1/29/2018</a:t>
+              <a:t>1/31/2018</a:t>
             </a:fld>
             <a:endParaRPr lang="en-US"/>
           </a:p>
@@ -639,7 +646,7 @@
           <a:p>
             <a:fld id="{713DCFBF-1251-4F71-8BFB-150CFD910DA2}" type="datetimeFigureOut">
               <a:rPr lang="en-US" smtClean="0"/>
-              <a:t>1/29/2018</a:t>
+              <a:t>1/31/2018</a:t>
             </a:fld>
             <a:endParaRPr lang="en-US"/>
           </a:p>
@@ -809,7 +816,7 @@
           <a:p>
             <a:fld id="{713DCFBF-1251-4F71-8BFB-150CFD910DA2}" type="datetimeFigureOut">
               <a:rPr lang="en-US" smtClean="0"/>
-              <a:t>1/29/2018</a:t>
+              <a:t>1/31/2018</a:t>
             </a:fld>
             <a:endParaRPr lang="en-US"/>
           </a:p>
@@ -1055,7 +1062,7 @@
           <a:p>
             <a:fld id="{713DCFBF-1251-4F71-8BFB-150CFD910DA2}" type="datetimeFigureOut">
               <a:rPr lang="en-US" smtClean="0"/>
-              <a:t>1/29/2018</a:t>
+              <a:t>1/31/2018</a:t>
             </a:fld>
             <a:endParaRPr lang="en-US"/>
           </a:p>
@@ -1343,7 +1350,7 @@
           <a:p>
             <a:fld id="{713DCFBF-1251-4F71-8BFB-150CFD910DA2}" type="datetimeFigureOut">
               <a:rPr lang="en-US" smtClean="0"/>
-              <a:t>1/29/2018</a:t>
+              <a:t>1/31/2018</a:t>
             </a:fld>
             <a:endParaRPr lang="en-US"/>
           </a:p>
@@ -1765,7 +1772,7 @@
           <a:p>
             <a:fld id="{713DCFBF-1251-4F71-8BFB-150CFD910DA2}" type="datetimeFigureOut">
               <a:rPr lang="en-US" smtClean="0"/>
-              <a:t>1/29/2018</a:t>
+              <a:t>1/31/2018</a:t>
             </a:fld>
             <a:endParaRPr lang="en-US"/>
           </a:p>
@@ -1883,7 +1890,7 @@
           <a:p>
             <a:fld id="{713DCFBF-1251-4F71-8BFB-150CFD910DA2}" type="datetimeFigureOut">
               <a:rPr lang="en-US" smtClean="0"/>
-              <a:t>1/29/2018</a:t>
+              <a:t>1/31/2018</a:t>
             </a:fld>
             <a:endParaRPr lang="en-US"/>
           </a:p>
@@ -1978,7 +1985,7 @@
           <a:p>
             <a:fld id="{713DCFBF-1251-4F71-8BFB-150CFD910DA2}" type="datetimeFigureOut">
               <a:rPr lang="en-US" smtClean="0"/>
-              <a:t>1/29/2018</a:t>
+              <a:t>1/31/2018</a:t>
             </a:fld>
             <a:endParaRPr lang="en-US"/>
           </a:p>
@@ -2255,7 +2262,7 @@
           <a:p>
             <a:fld id="{713DCFBF-1251-4F71-8BFB-150CFD910DA2}" type="datetimeFigureOut">
               <a:rPr lang="en-US" smtClean="0"/>
-              <a:t>1/29/2018</a:t>
+              <a:t>1/31/2018</a:t>
             </a:fld>
             <a:endParaRPr lang="en-US"/>
           </a:p>
@@ -2508,7 +2515,7 @@
           <a:p>
             <a:fld id="{713DCFBF-1251-4F71-8BFB-150CFD910DA2}" type="datetimeFigureOut">
               <a:rPr lang="en-US" smtClean="0"/>
-              <a:t>1/29/2018</a:t>
+              <a:t>1/31/2018</a:t>
             </a:fld>
             <a:endParaRPr lang="en-US"/>
           </a:p>
@@ -2721,7 +2728,7 @@
           <a:p>
             <a:fld id="{713DCFBF-1251-4F71-8BFB-150CFD910DA2}" type="datetimeFigureOut">
               <a:rPr lang="en-US" smtClean="0"/>
-              <a:t>1/29/2018</a:t>
+              <a:t>1/31/2018</a:t>
             </a:fld>
             <a:endParaRPr lang="en-US"/>
           </a:p>
@@ -3105,7 +3112,7 @@
         <p:spPr>
           <a:xfrm>
             <a:off x="762000" y="609600"/>
-            <a:ext cx="7620000" cy="5509200"/>
+            <a:ext cx="7620000" cy="5401479"/>
           </a:xfrm>
           <a:prstGeom prst="rect">
             <a:avLst/>
@@ -3120,28 +3127,48 @@
           <a:p>
             <a:pPr algn="ctr"/>
             <a:r>
-              <a:rPr lang="en-US" sz="8800" dirty="0" smtClean="0">
+              <a:rPr lang="en-US" sz="11500" dirty="0" smtClean="0">
                 <a:solidFill>
                   <a:schemeClr val="accent6">
                     <a:lumMod val="75000"/>
                   </a:schemeClr>
                 </a:solidFill>
               </a:rPr>
-              <a:t>CSS</a:t>
+              <a:t>PSD</a:t>
             </a:r>
           </a:p>
           <a:p>
             <a:pPr algn="ctr"/>
             <a:r>
-              <a:rPr lang="en-US" sz="8800" dirty="0" smtClean="0">
+              <a:rPr lang="en-US" sz="11500" dirty="0" smtClean="0">
                 <a:solidFill>
                   <a:schemeClr val="accent6">
                     <a:lumMod val="75000"/>
                   </a:schemeClr>
                 </a:solidFill>
               </a:rPr>
-              <a:t>Selector &amp; Properties Exercise</a:t>
-            </a:r>
+              <a:t>to</a:t>
+            </a:r>
+          </a:p>
+          <a:p>
+            <a:pPr algn="ctr"/>
+            <a:r>
+              <a:rPr lang="en-US" sz="11500" dirty="0" smtClean="0">
+                <a:solidFill>
+                  <a:schemeClr val="accent6">
+                    <a:lumMod val="75000"/>
+                  </a:schemeClr>
+                </a:solidFill>
+              </a:rPr>
+              <a:t>HTML</a:t>
+            </a:r>
+            <a:endParaRPr lang="en-US" sz="11500" dirty="0" smtClean="0">
+              <a:solidFill>
+                <a:schemeClr val="accent6">
+                  <a:lumMod val="75000"/>
+                </a:schemeClr>
+              </a:solidFill>
+            </a:endParaRPr>
           </a:p>
         </p:txBody>
       </p:sp>
@@ -3190,8 +3217,8 @@
         </p:nvSpPr>
         <p:spPr>
           <a:xfrm>
-            <a:off x="685800" y="838200"/>
-            <a:ext cx="7620000" cy="5401479"/>
+            <a:off x="685800" y="1524000"/>
+            <a:ext cx="7620000" cy="3631763"/>
           </a:xfrm>
           <a:prstGeom prst="rect">
             <a:avLst/>
@@ -3206,23 +3233,544 @@
           <a:p>
             <a:pPr algn="ctr"/>
             <a:r>
+              <a:rPr lang="en-US" sz="11500" dirty="0" err="1" smtClean="0">
+                <a:solidFill>
+                  <a:srgbClr val="FFFF00"/>
+                </a:solidFill>
+              </a:rPr>
+              <a:t>PhotoShop</a:t>
+            </a:r>
+            <a:endParaRPr lang="en-US" sz="11500" dirty="0" smtClean="0">
+              <a:solidFill>
+                <a:srgbClr val="FFFF00"/>
+              </a:solidFill>
+            </a:endParaRPr>
+          </a:p>
+          <a:p>
+            <a:pPr algn="ctr"/>
+            <a:r>
               <a:rPr lang="en-US" sz="11500" dirty="0" smtClean="0">
                 <a:solidFill>
                   <a:srgbClr val="FFFF00"/>
                 </a:solidFill>
               </a:rPr>
-              <a:t>Simple</a:t>
-            </a:r>
-          </a:p>
+              <a:t>Basics</a:t>
+            </a:r>
+          </a:p>
+        </p:txBody>
+      </p:sp>
+    </p:spTree>
+    <p:extLst>
+      <p:ext uri="{BB962C8B-B14F-4D97-AF65-F5344CB8AC3E}">
+        <p14:creationId xmlns:p14="http://schemas.microsoft.com/office/powerpoint/2010/main" val="2468503566"/>
+      </p:ext>
+    </p:extLst>
+  </p:cSld>
+  <p:clrMapOvr>
+    <a:masterClrMapping/>
+  </p:clrMapOvr>
+  <p:timing>
+    <p:tnLst>
+      <p:par>
+        <p:cTn id="1" dur="indefinite" restart="never" nodeType="tmRoot"/>
+      </p:par>
+    </p:tnLst>
+  </p:timing>
+</p:sld>
+</file>
+
+<file path=ppt/slides/slide3.xml><?xml version="1.0" encoding="utf-8"?>
+<p:sld xmlns:a="http://schemas.openxmlformats.org/drawingml/2006/main" xmlns:r="http://schemas.openxmlformats.org/officeDocument/2006/relationships" xmlns:p="http://schemas.openxmlformats.org/presentationml/2006/main">
+  <p:cSld>
+    <p:spTree>
+      <p:nvGrpSpPr>
+        <p:cNvPr id="1" name=""/>
+        <p:cNvGrpSpPr/>
+        <p:nvPr/>
+      </p:nvGrpSpPr>
+      <p:grpSpPr>
+        <a:xfrm>
+          <a:off x="0" y="0"/>
+          <a:ext cx="0" cy="0"/>
+          <a:chOff x="0" y="0"/>
+          <a:chExt cx="0" cy="0"/>
+        </a:xfrm>
+      </p:grpSpPr>
+      <p:sp>
+        <p:nvSpPr>
+          <p:cNvPr id="4" name="TextBox 3"/>
+          <p:cNvSpPr txBox="1"/>
+          <p:nvPr/>
+        </p:nvSpPr>
+        <p:spPr>
+          <a:xfrm>
+            <a:off x="838200" y="2286000"/>
+            <a:ext cx="7620000" cy="1862048"/>
+          </a:xfrm>
+          <a:prstGeom prst="rect">
+            <a:avLst/>
+          </a:prstGeom>
+          <a:noFill/>
+        </p:spPr>
+        <p:txBody>
+          <a:bodyPr wrap="square" rtlCol="0">
+            <a:spAutoFit/>
+          </a:bodyPr>
+          <a:lstStyle/>
           <a:p>
             <a:pPr algn="ctr"/>
             <a:r>
-              <a:rPr lang="en-US" sz="11500" dirty="0" smtClean="0">
+              <a:rPr lang="en-US" sz="11500" dirty="0" smtClean="0"/>
+              <a:t>Layers</a:t>
+            </a:r>
+            <a:endParaRPr lang="en-US" sz="11500" dirty="0" smtClean="0"/>
+          </a:p>
+        </p:txBody>
+      </p:sp>
+    </p:spTree>
+    <p:extLst>
+      <p:ext uri="{BB962C8B-B14F-4D97-AF65-F5344CB8AC3E}">
+        <p14:creationId xmlns:p14="http://schemas.microsoft.com/office/powerpoint/2010/main" val="1843765970"/>
+      </p:ext>
+    </p:extLst>
+  </p:cSld>
+  <p:clrMapOvr>
+    <a:masterClrMapping/>
+  </p:clrMapOvr>
+  <p:timing>
+    <p:tnLst>
+      <p:par>
+        <p:cTn id="1" dur="indefinite" restart="never" nodeType="tmRoot"/>
+      </p:par>
+    </p:tnLst>
+  </p:timing>
+</p:sld>
+</file>
+
+<file path=ppt/slides/slide4.xml><?xml version="1.0" encoding="utf-8"?>
+<p:sld xmlns:a="http://schemas.openxmlformats.org/drawingml/2006/main" xmlns:r="http://schemas.openxmlformats.org/officeDocument/2006/relationships" xmlns:p="http://schemas.openxmlformats.org/presentationml/2006/main">
+  <p:cSld>
+    <p:spTree>
+      <p:nvGrpSpPr>
+        <p:cNvPr id="1" name=""/>
+        <p:cNvGrpSpPr/>
+        <p:nvPr/>
+      </p:nvGrpSpPr>
+      <p:grpSpPr>
+        <a:xfrm>
+          <a:off x="0" y="0"/>
+          <a:ext cx="0" cy="0"/>
+          <a:chOff x="0" y="0"/>
+          <a:chExt cx="0" cy="0"/>
+        </a:xfrm>
+      </p:grpSpPr>
+      <p:sp>
+        <p:nvSpPr>
+          <p:cNvPr id="4" name="TextBox 3"/>
+          <p:cNvSpPr txBox="1"/>
+          <p:nvPr/>
+        </p:nvSpPr>
+        <p:spPr>
+          <a:xfrm>
+            <a:off x="838200" y="2286000"/>
+            <a:ext cx="7620000" cy="1862048"/>
+          </a:xfrm>
+          <a:prstGeom prst="rect">
+            <a:avLst/>
+          </a:prstGeom>
+          <a:noFill/>
+        </p:spPr>
+        <p:txBody>
+          <a:bodyPr wrap="square" rtlCol="0">
+            <a:spAutoFit/>
+          </a:bodyPr>
+          <a:lstStyle/>
+          <a:p>
+            <a:pPr algn="ctr"/>
+            <a:r>
+              <a:rPr lang="en-US" sz="11500" dirty="0" smtClean="0"/>
+              <a:t>Auto Select</a:t>
+            </a:r>
+            <a:endParaRPr lang="en-US" sz="11500" dirty="0" smtClean="0"/>
+          </a:p>
+        </p:txBody>
+      </p:sp>
+    </p:spTree>
+    <p:extLst>
+      <p:ext uri="{BB962C8B-B14F-4D97-AF65-F5344CB8AC3E}">
+        <p14:creationId xmlns:p14="http://schemas.microsoft.com/office/powerpoint/2010/main" val="2253001457"/>
+      </p:ext>
+    </p:extLst>
+  </p:cSld>
+  <p:clrMapOvr>
+    <a:masterClrMapping/>
+  </p:clrMapOvr>
+  <p:timing>
+    <p:tnLst>
+      <p:par>
+        <p:cTn id="1" dur="indefinite" restart="never" nodeType="tmRoot"/>
+      </p:par>
+    </p:tnLst>
+  </p:timing>
+</p:sld>
+</file>
+
+<file path=ppt/slides/slide5.xml><?xml version="1.0" encoding="utf-8"?>
+<p:sld xmlns:a="http://schemas.openxmlformats.org/drawingml/2006/main" xmlns:r="http://schemas.openxmlformats.org/officeDocument/2006/relationships" xmlns:p="http://schemas.openxmlformats.org/presentationml/2006/main">
+  <p:cSld>
+    <p:spTree>
+      <p:nvGrpSpPr>
+        <p:cNvPr id="1" name=""/>
+        <p:cNvGrpSpPr/>
+        <p:nvPr/>
+      </p:nvGrpSpPr>
+      <p:grpSpPr>
+        <a:xfrm>
+          <a:off x="0" y="0"/>
+          <a:ext cx="0" cy="0"/>
+          <a:chOff x="0" y="0"/>
+          <a:chExt cx="0" cy="0"/>
+        </a:xfrm>
+      </p:grpSpPr>
+      <p:sp>
+        <p:nvSpPr>
+          <p:cNvPr id="4" name="TextBox 3"/>
+          <p:cNvSpPr txBox="1"/>
+          <p:nvPr/>
+        </p:nvSpPr>
+        <p:spPr>
+          <a:xfrm>
+            <a:off x="838200" y="2286000"/>
+            <a:ext cx="7620000" cy="1862048"/>
+          </a:xfrm>
+          <a:prstGeom prst="rect">
+            <a:avLst/>
+          </a:prstGeom>
+          <a:noFill/>
+        </p:spPr>
+        <p:txBody>
+          <a:bodyPr wrap="square" rtlCol="0">
+            <a:spAutoFit/>
+          </a:bodyPr>
+          <a:lstStyle/>
+          <a:p>
+            <a:pPr algn="ctr"/>
+            <a:r>
+              <a:rPr lang="en-US" sz="11500" dirty="0" smtClean="0"/>
+              <a:t>Selection</a:t>
+            </a:r>
+            <a:endParaRPr lang="en-US" sz="11500" dirty="0" smtClean="0"/>
+          </a:p>
+        </p:txBody>
+      </p:sp>
+    </p:spTree>
+    <p:extLst>
+      <p:ext uri="{BB962C8B-B14F-4D97-AF65-F5344CB8AC3E}">
+        <p14:creationId xmlns:p14="http://schemas.microsoft.com/office/powerpoint/2010/main" val="1583417343"/>
+      </p:ext>
+    </p:extLst>
+  </p:cSld>
+  <p:clrMapOvr>
+    <a:masterClrMapping/>
+  </p:clrMapOvr>
+  <p:timing>
+    <p:tnLst>
+      <p:par>
+        <p:cTn id="1" dur="indefinite" restart="never" nodeType="tmRoot"/>
+      </p:par>
+    </p:tnLst>
+  </p:timing>
+</p:sld>
+</file>
+
+<file path=ppt/slides/slide6.xml><?xml version="1.0" encoding="utf-8"?>
+<p:sld xmlns:a="http://schemas.openxmlformats.org/drawingml/2006/main" xmlns:r="http://schemas.openxmlformats.org/officeDocument/2006/relationships" xmlns:p="http://schemas.openxmlformats.org/presentationml/2006/main">
+  <p:cSld>
+    <p:spTree>
+      <p:nvGrpSpPr>
+        <p:cNvPr id="1" name=""/>
+        <p:cNvGrpSpPr/>
+        <p:nvPr/>
+      </p:nvGrpSpPr>
+      <p:grpSpPr>
+        <a:xfrm>
+          <a:off x="0" y="0"/>
+          <a:ext cx="0" cy="0"/>
+          <a:chOff x="0" y="0"/>
+          <a:chExt cx="0" cy="0"/>
+        </a:xfrm>
+      </p:grpSpPr>
+      <p:sp>
+        <p:nvSpPr>
+          <p:cNvPr id="4" name="TextBox 3"/>
+          <p:cNvSpPr txBox="1"/>
+          <p:nvPr/>
+        </p:nvSpPr>
+        <p:spPr>
+          <a:xfrm>
+            <a:off x="838200" y="2286000"/>
+            <a:ext cx="7620000" cy="1862048"/>
+          </a:xfrm>
+          <a:prstGeom prst="rect">
+            <a:avLst/>
+          </a:prstGeom>
+          <a:noFill/>
+        </p:spPr>
+        <p:txBody>
+          <a:bodyPr wrap="square" rtlCol="0">
+            <a:spAutoFit/>
+          </a:bodyPr>
+          <a:lstStyle/>
+          <a:p>
+            <a:pPr algn="ctr"/>
+            <a:r>
+              <a:rPr lang="en-US" sz="11500" dirty="0" smtClean="0"/>
+              <a:t>Color Picker</a:t>
+            </a:r>
+            <a:endParaRPr lang="en-US" sz="11500" dirty="0" smtClean="0"/>
+          </a:p>
+        </p:txBody>
+      </p:sp>
+    </p:spTree>
+    <p:extLst>
+      <p:ext uri="{BB962C8B-B14F-4D97-AF65-F5344CB8AC3E}">
+        <p14:creationId xmlns:p14="http://schemas.microsoft.com/office/powerpoint/2010/main" val="216237927"/>
+      </p:ext>
+    </p:extLst>
+  </p:cSld>
+  <p:clrMapOvr>
+    <a:masterClrMapping/>
+  </p:clrMapOvr>
+  <p:timing>
+    <p:tnLst>
+      <p:par>
+        <p:cTn id="1" dur="indefinite" restart="never" nodeType="tmRoot"/>
+      </p:par>
+    </p:tnLst>
+  </p:timing>
+</p:sld>
+</file>
+
+<file path=ppt/slides/slide7.xml><?xml version="1.0" encoding="utf-8"?>
+<p:sld xmlns:a="http://schemas.openxmlformats.org/drawingml/2006/main" xmlns:r="http://schemas.openxmlformats.org/officeDocument/2006/relationships" xmlns:p="http://schemas.openxmlformats.org/presentationml/2006/main">
+  <p:cSld>
+    <p:spTree>
+      <p:nvGrpSpPr>
+        <p:cNvPr id="1" name=""/>
+        <p:cNvGrpSpPr/>
+        <p:nvPr/>
+      </p:nvGrpSpPr>
+      <p:grpSpPr>
+        <a:xfrm>
+          <a:off x="0" y="0"/>
+          <a:ext cx="0" cy="0"/>
+          <a:chOff x="0" y="0"/>
+          <a:chExt cx="0" cy="0"/>
+        </a:xfrm>
+      </p:grpSpPr>
+      <p:sp>
+        <p:nvSpPr>
+          <p:cNvPr id="4" name="TextBox 3"/>
+          <p:cNvSpPr txBox="1"/>
+          <p:nvPr/>
+        </p:nvSpPr>
+        <p:spPr>
+          <a:xfrm>
+            <a:off x="838200" y="2286000"/>
+            <a:ext cx="7620000" cy="1862048"/>
+          </a:xfrm>
+          <a:prstGeom prst="rect">
+            <a:avLst/>
+          </a:prstGeom>
+          <a:noFill/>
+        </p:spPr>
+        <p:txBody>
+          <a:bodyPr wrap="square" rtlCol="0">
+            <a:spAutoFit/>
+          </a:bodyPr>
+          <a:lstStyle/>
+          <a:p>
+            <a:pPr algn="ctr"/>
+            <a:r>
+              <a:rPr lang="en-US" sz="11500" dirty="0" smtClean="0"/>
+              <a:t>Slicing</a:t>
+            </a:r>
+            <a:endParaRPr lang="en-US" sz="11500" dirty="0" smtClean="0"/>
+          </a:p>
+        </p:txBody>
+      </p:sp>
+    </p:spTree>
+    <p:extLst>
+      <p:ext uri="{BB962C8B-B14F-4D97-AF65-F5344CB8AC3E}">
+        <p14:creationId xmlns:p14="http://schemas.microsoft.com/office/powerpoint/2010/main" val="2448336678"/>
+      </p:ext>
+    </p:extLst>
+  </p:cSld>
+  <p:clrMapOvr>
+    <a:masterClrMapping/>
+  </p:clrMapOvr>
+  <p:timing>
+    <p:tnLst>
+      <p:par>
+        <p:cTn id="1" dur="indefinite" restart="never" nodeType="tmRoot"/>
+      </p:par>
+    </p:tnLst>
+  </p:timing>
+</p:sld>
+</file>
+
+<file path=ppt/slides/slide8.xml><?xml version="1.0" encoding="utf-8"?>
+<p:sld xmlns:a="http://schemas.openxmlformats.org/drawingml/2006/main" xmlns:r="http://schemas.openxmlformats.org/officeDocument/2006/relationships" xmlns:p="http://schemas.openxmlformats.org/presentationml/2006/main">
+  <p:cSld>
+    <p:spTree>
+      <p:nvGrpSpPr>
+        <p:cNvPr id="1" name=""/>
+        <p:cNvGrpSpPr/>
+        <p:nvPr/>
+      </p:nvGrpSpPr>
+      <p:grpSpPr>
+        <a:xfrm>
+          <a:off x="0" y="0"/>
+          <a:ext cx="0" cy="0"/>
+          <a:chOff x="0" y="0"/>
+          <a:chExt cx="0" cy="0"/>
+        </a:xfrm>
+      </p:grpSpPr>
+      <p:sp>
+        <p:nvSpPr>
+          <p:cNvPr id="4" name="TextBox 3"/>
+          <p:cNvSpPr txBox="1"/>
+          <p:nvPr/>
+        </p:nvSpPr>
+        <p:spPr>
+          <a:xfrm>
+            <a:off x="838200" y="1371600"/>
+            <a:ext cx="7620000" cy="3631763"/>
+          </a:xfrm>
+          <a:prstGeom prst="rect">
+            <a:avLst/>
+          </a:prstGeom>
+          <a:noFill/>
+        </p:spPr>
+        <p:txBody>
+          <a:bodyPr wrap="square" rtlCol="0">
+            <a:spAutoFit/>
+          </a:bodyPr>
+          <a:lstStyle/>
+          <a:p>
+            <a:pPr algn="ctr"/>
+            <a:r>
+              <a:rPr lang="en-US" sz="11500" dirty="0" smtClean="0"/>
+              <a:t>Save for Web</a:t>
+            </a:r>
+          </a:p>
+        </p:txBody>
+      </p:sp>
+    </p:spTree>
+    <p:extLst>
+      <p:ext uri="{BB962C8B-B14F-4D97-AF65-F5344CB8AC3E}">
+        <p14:creationId xmlns:p14="http://schemas.microsoft.com/office/powerpoint/2010/main" val="2126490404"/>
+      </p:ext>
+    </p:extLst>
+  </p:cSld>
+  <p:clrMapOvr>
+    <a:masterClrMapping/>
+  </p:clrMapOvr>
+  <p:timing>
+    <p:tnLst>
+      <p:par>
+        <p:cTn id="1" dur="indefinite" restart="never" nodeType="tmRoot"/>
+      </p:par>
+    </p:tnLst>
+  </p:timing>
+</p:sld>
+</file>
+
+<file path=ppt/slides/slide9.xml><?xml version="1.0" encoding="utf-8"?>
+<p:sld xmlns:a="http://schemas.openxmlformats.org/drawingml/2006/main" xmlns:r="http://schemas.openxmlformats.org/officeDocument/2006/relationships" xmlns:p="http://schemas.openxmlformats.org/presentationml/2006/main">
+  <p:cSld>
+    <p:spTree>
+      <p:nvGrpSpPr>
+        <p:cNvPr id="1" name=""/>
+        <p:cNvGrpSpPr/>
+        <p:nvPr/>
+      </p:nvGrpSpPr>
+      <p:grpSpPr>
+        <a:xfrm>
+          <a:off x="0" y="0"/>
+          <a:ext cx="0" cy="0"/>
+          <a:chOff x="0" y="0"/>
+          <a:chExt cx="0" cy="0"/>
+        </a:xfrm>
+      </p:grpSpPr>
+      <p:sp>
+        <p:nvSpPr>
+          <p:cNvPr id="4" name="TextBox 3"/>
+          <p:cNvSpPr txBox="1"/>
+          <p:nvPr/>
+        </p:nvSpPr>
+        <p:spPr>
+          <a:xfrm>
+            <a:off x="706582" y="2286000"/>
+            <a:ext cx="7620000" cy="2308324"/>
+          </a:xfrm>
+          <a:prstGeom prst="rect">
+            <a:avLst/>
+          </a:prstGeom>
+          <a:noFill/>
+        </p:spPr>
+        <p:txBody>
+          <a:bodyPr wrap="square" rtlCol="0">
+            <a:spAutoFit/>
+          </a:bodyPr>
+          <a:lstStyle/>
+          <a:p>
+            <a:pPr algn="ctr"/>
+            <a:r>
+              <a:rPr lang="en-US" sz="4800" dirty="0" smtClean="0">
                 <a:solidFill>
                   <a:srgbClr val="FFFF00"/>
                 </a:solidFill>
               </a:rPr>
-              <a:t>Blog Exercise</a:t>
+              <a:t>Convert</a:t>
+            </a:r>
+          </a:p>
+          <a:p>
+            <a:pPr algn="ctr"/>
+            <a:r>
+              <a:rPr lang="en-US" sz="4800" dirty="0" smtClean="0">
+                <a:solidFill>
+                  <a:srgbClr val="FFFF00"/>
+                </a:solidFill>
+              </a:rPr>
+              <a:t>“</a:t>
+            </a:r>
+            <a:r>
+              <a:rPr lang="en-US" sz="4800" dirty="0" err="1" smtClean="0">
+                <a:solidFill>
+                  <a:srgbClr val="FFFF00"/>
+                </a:solidFill>
+              </a:rPr>
+              <a:t>datacenter_content.psd</a:t>
+            </a:r>
+            <a:r>
+              <a:rPr lang="en-US" sz="4800" dirty="0" smtClean="0">
+                <a:solidFill>
+                  <a:srgbClr val="FFFF00"/>
+                </a:solidFill>
+              </a:rPr>
+              <a:t> </a:t>
+            </a:r>
+          </a:p>
+          <a:p>
+            <a:pPr algn="ctr"/>
+            <a:r>
+              <a:rPr lang="en-US" sz="4800" dirty="0" smtClean="0">
+                <a:solidFill>
+                  <a:srgbClr val="FFFF00"/>
+                </a:solidFill>
+              </a:rPr>
+              <a:t>to HTML</a:t>
             </a:r>
             <a:endParaRPr lang="en-US" sz="4800" dirty="0" smtClean="0">
               <a:solidFill>
@@ -3235,7 +3783,7 @@
     </p:spTree>
     <p:extLst>
       <p:ext uri="{BB962C8B-B14F-4D97-AF65-F5344CB8AC3E}">
-        <p14:creationId xmlns:p14="http://schemas.microsoft.com/office/powerpoint/2010/main" val="2468503566"/>
+        <p14:creationId xmlns:p14="http://schemas.microsoft.com/office/powerpoint/2010/main" val="2727160927"/>
       </p:ext>
     </p:extLst>
   </p:cSld>
